--- a/docs/汇报ppt/中期汇报-俞颖妍.pptx
+++ b/docs/汇报ppt/中期汇报-俞颖妍.pptx
@@ -213,7 +213,7 @@
           <a:p>
             <a:fld id="{BDA51940-DB52-3B48-AABB-9C7938529E4E}" type="datetimeFigureOut">
               <a:rPr kumimoji="1" lang="zh-CN" altLang="en-US" smtClean="0"/>
-              <a:t>2025/3/23</a:t>
+              <a:t>2025/3/24</a:t>
             </a:fld>
             <a:endParaRPr kumimoji="1" lang="zh-CN" altLang="en-US"/>
           </a:p>
@@ -922,7 +922,7 @@
           <a:p>
             <a:fld id="{E4551058-E5DB-324A-A8E9-6D3BEF243C3B}" type="datetimeFigureOut">
               <a:rPr kumimoji="1" lang="zh-CN" altLang="en-US" smtClean="0"/>
-              <a:t>2025/3/23</a:t>
+              <a:t>2025/3/24</a:t>
             </a:fld>
             <a:endParaRPr kumimoji="1" lang="zh-CN" altLang="en-US"/>
           </a:p>
@@ -1204,7 +1204,7 @@
           <a:p>
             <a:fld id="{E4551058-E5DB-324A-A8E9-6D3BEF243C3B}" type="datetimeFigureOut">
               <a:rPr kumimoji="1" lang="zh-CN" altLang="en-US" smtClean="0"/>
-              <a:t>2025/3/23</a:t>
+              <a:t>2025/3/24</a:t>
             </a:fld>
             <a:endParaRPr kumimoji="1" lang="zh-CN" altLang="en-US"/>
           </a:p>
@@ -1426,7 +1426,7 @@
           <a:p>
             <a:fld id="{E4551058-E5DB-324A-A8E9-6D3BEF243C3B}" type="datetimeFigureOut">
               <a:rPr kumimoji="1" lang="zh-CN" altLang="en-US" smtClean="0"/>
-              <a:t>2025/3/23</a:t>
+              <a:t>2025/3/24</a:t>
             </a:fld>
             <a:endParaRPr kumimoji="1" lang="zh-CN" altLang="en-US"/>
           </a:p>
@@ -1700,7 +1700,7 @@
           <a:p>
             <a:fld id="{E4551058-E5DB-324A-A8E9-6D3BEF243C3B}" type="datetimeFigureOut">
               <a:rPr kumimoji="1" lang="zh-CN" altLang="en-US" smtClean="0"/>
-              <a:t>2025/3/23</a:t>
+              <a:t>2025/3/24</a:t>
             </a:fld>
             <a:endParaRPr kumimoji="1" lang="zh-CN" altLang="en-US"/>
           </a:p>
@@ -1957,7 +1957,7 @@
           <a:p>
             <a:fld id="{E4551058-E5DB-324A-A8E9-6D3BEF243C3B}" type="datetimeFigureOut">
               <a:rPr kumimoji="1" lang="zh-CN" altLang="en-US" smtClean="0"/>
-              <a:t>2025/3/23</a:t>
+              <a:t>2025/3/24</a:t>
             </a:fld>
             <a:endParaRPr kumimoji="1" lang="zh-CN" altLang="en-US"/>
           </a:p>
@@ -2156,7 +2156,7 @@
           <a:p>
             <a:fld id="{E4551058-E5DB-324A-A8E9-6D3BEF243C3B}" type="datetimeFigureOut">
               <a:rPr kumimoji="1" lang="zh-CN" altLang="en-US" smtClean="0"/>
-              <a:t>2025/3/23</a:t>
+              <a:t>2025/3/24</a:t>
             </a:fld>
             <a:endParaRPr kumimoji="1" lang="zh-CN" altLang="en-US"/>
           </a:p>
@@ -2729,7 +2729,7 @@
           <a:p>
             <a:fld id="{E4551058-E5DB-324A-A8E9-6D3BEF243C3B}" type="datetimeFigureOut">
               <a:rPr kumimoji="1" lang="zh-CN" altLang="en-US" smtClean="0"/>
-              <a:t>2025/3/23</a:t>
+              <a:t>2025/3/24</a:t>
             </a:fld>
             <a:endParaRPr kumimoji="1" lang="zh-CN" altLang="en-US"/>
           </a:p>
@@ -3023,7 +3023,7 @@
           <a:p>
             <a:fld id="{E4551058-E5DB-324A-A8E9-6D3BEF243C3B}" type="datetimeFigureOut">
               <a:rPr kumimoji="1" lang="zh-CN" altLang="en-US" smtClean="0"/>
-              <a:t>2025/3/23</a:t>
+              <a:t>2025/3/24</a:t>
             </a:fld>
             <a:endParaRPr kumimoji="1" lang="zh-CN" altLang="en-US"/>
           </a:p>
@@ -3406,7 +3406,7 @@
           <a:p>
             <a:fld id="{E4551058-E5DB-324A-A8E9-6D3BEF243C3B}" type="datetimeFigureOut">
               <a:rPr kumimoji="1" lang="zh-CN" altLang="en-US" smtClean="0"/>
-              <a:t>2025/3/23</a:t>
+              <a:t>2025/3/24</a:t>
             </a:fld>
             <a:endParaRPr kumimoji="1" lang="zh-CN" altLang="en-US"/>
           </a:p>
@@ -3529,7 +3529,7 @@
           <a:p>
             <a:fld id="{E4551058-E5DB-324A-A8E9-6D3BEF243C3B}" type="datetimeFigureOut">
               <a:rPr kumimoji="1" lang="zh-CN" altLang="en-US" smtClean="0"/>
-              <a:t>2025/3/23</a:t>
+              <a:t>2025/3/24</a:t>
             </a:fld>
             <a:endParaRPr kumimoji="1" lang="zh-CN" altLang="en-US"/>
           </a:p>
@@ -3652,7 +3652,7 @@
           <a:p>
             <a:fld id="{E4551058-E5DB-324A-A8E9-6D3BEF243C3B}" type="datetimeFigureOut">
               <a:rPr kumimoji="1" lang="zh-CN" altLang="en-US" smtClean="0"/>
-              <a:t>2025/3/23</a:t>
+              <a:t>2025/3/24</a:t>
             </a:fld>
             <a:endParaRPr kumimoji="1" lang="zh-CN" altLang="en-US"/>
           </a:p>
@@ -4102,7 +4102,7 @@
           <a:p>
             <a:fld id="{E4551058-E5DB-324A-A8E9-6D3BEF243C3B}" type="datetimeFigureOut">
               <a:rPr kumimoji="1" lang="zh-CN" altLang="en-US" smtClean="0"/>
-              <a:t>2025/3/23</a:t>
+              <a:t>2025/3/24</a:t>
             </a:fld>
             <a:endParaRPr kumimoji="1" lang="zh-CN" altLang="en-US"/>
           </a:p>
@@ -4409,7 +4409,7 @@
           <a:p>
             <a:fld id="{E4551058-E5DB-324A-A8E9-6D3BEF243C3B}" type="datetimeFigureOut">
               <a:rPr kumimoji="1" lang="zh-CN" altLang="en-US" smtClean="0"/>
-              <a:t>2025/3/23</a:t>
+              <a:t>2025/3/24</a:t>
             </a:fld>
             <a:endParaRPr kumimoji="1" lang="zh-CN" altLang="en-US"/>
           </a:p>
@@ -5110,7 +5110,7 @@
           <a:p>
             <a:r>
               <a:rPr kumimoji="1" lang="zh-CN" altLang="en-US" dirty="0"/>
-              <a:t>指导教师：戴桂兰  陈渝</a:t>
+              <a:t>指导教师：戴桂兰 </a:t>
             </a:r>
           </a:p>
         </p:txBody>
@@ -5163,7 +5163,7 @@
         </p:nvSpPr>
         <p:spPr>
           <a:xfrm>
-            <a:off x="833378" y="2180498"/>
+            <a:off x="833378" y="1882787"/>
             <a:ext cx="8587069" cy="4084078"/>
           </a:xfrm>
         </p:spPr>
@@ -5194,7 +5194,7 @@
               <a:t>积累毕设素材</a:t>
             </a:r>
             <a:r>
-              <a:rPr kumimoji="1" lang="en-US" altLang="zh-CN" sz="1800" dirty="0"/>
+              <a:rPr kumimoji="1" lang="en-US" altLang="zh-CN" sz="1800" b="1" dirty="0"/>
               <a:t>10000+</a:t>
             </a:r>
             <a:r>
@@ -5202,7 +5202,7 @@
               <a:t>字、</a:t>
             </a:r>
             <a:r>
-              <a:rPr kumimoji="1" lang="en-US" altLang="zh-CN" sz="1800" dirty="0"/>
+              <a:rPr kumimoji="1" lang="en-US" altLang="zh-CN" sz="1800" b="1" dirty="0"/>
               <a:t>40+</a:t>
             </a:r>
             <a:r>
@@ -5225,7 +5225,23 @@
           <a:p>
             <a:r>
               <a:rPr kumimoji="1" lang="zh-CN" altLang="en-US" sz="2000" dirty="0"/>
-              <a:t>撰写</a:t>
+              <a:t>撰写 </a:t>
+            </a:r>
+            <a:r>
+              <a:rPr kumimoji="1" lang="en-US" altLang="zh-CN" sz="2000" dirty="0"/>
+              <a:t>Starry-</a:t>
+            </a:r>
+            <a:r>
+              <a:rPr kumimoji="1" lang="en-US" altLang="zh-CN" sz="2000" dirty="0" err="1"/>
+              <a:t>Toturial</a:t>
+            </a:r>
+            <a:r>
+              <a:rPr kumimoji="1" lang="en-US" altLang="zh-CN" sz="2000" dirty="0"/>
+              <a:t>-Book</a:t>
+            </a:r>
+            <a:r>
+              <a:rPr kumimoji="1" lang="zh-CN" altLang="en-US" sz="2000" dirty="0"/>
+              <a:t>的</a:t>
             </a:r>
             <a:r>
               <a:rPr kumimoji="1" lang="en-US" altLang="zh-CN" sz="2000" dirty="0" err="1"/>
@@ -5341,8 +5357,8 @@
         </p:blipFill>
         <p:spPr>
           <a:xfrm>
-            <a:off x="7315201" y="3433006"/>
-            <a:ext cx="2075114" cy="3284609"/>
+            <a:off x="7396637" y="3561907"/>
+            <a:ext cx="1993678" cy="3155708"/>
           </a:xfrm>
           <a:prstGeom prst="rect">
             <a:avLst/>
@@ -5363,7 +5379,7 @@
         </p:nvGrpSpPr>
         <p:grpSpPr>
           <a:xfrm>
-            <a:off x="2541069" y="4315681"/>
+            <a:off x="2594234" y="4315681"/>
             <a:ext cx="4774131" cy="2250921"/>
             <a:chOff x="2541069" y="4315681"/>
             <a:chExt cx="4774131" cy="2250921"/>
@@ -7349,7 +7365,7 @@
         </p:spPr>
         <p:txBody>
           <a:bodyPr>
-            <a:normAutofit/>
+            <a:normAutofit lnSpcReduction="10000"/>
           </a:bodyPr>
           <a:lstStyle/>
           <a:p>
@@ -7385,58 +7401,58 @@
           <a:p>
             <a:pPr lvl="2"/>
             <a:r>
-              <a:rPr kumimoji="1" lang="zh-CN" altLang="en-US" sz="1700" dirty="0"/>
+              <a:rPr kumimoji="1" lang="zh-CN" altLang="en-US" sz="1800" dirty="0"/>
               <a:t>基础系统调用（</a:t>
             </a:r>
             <a:r>
-              <a:rPr kumimoji="1" lang="en-US" altLang="zh-CN" sz="1700" dirty="0"/>
+              <a:rPr kumimoji="1" lang="en-US" altLang="zh-CN" sz="1800" dirty="0"/>
               <a:t>GETPID</a:t>
             </a:r>
             <a:r>
-              <a:rPr kumimoji="1" lang="zh-CN" altLang="en-US" sz="1700" dirty="0"/>
+              <a:rPr kumimoji="1" lang="zh-CN" altLang="en-US" sz="1800" dirty="0"/>
               <a:t>、</a:t>
             </a:r>
             <a:r>
-              <a:rPr kumimoji="1" lang="en-US" altLang="zh-CN" sz="1700" dirty="0"/>
+              <a:rPr kumimoji="1" lang="en-US" altLang="zh-CN" sz="1800" dirty="0"/>
               <a:t>GETPPID </a:t>
             </a:r>
             <a:r>
-              <a:rPr kumimoji="1" lang="zh-CN" altLang="en-US" sz="1700" dirty="0"/>
+              <a:rPr kumimoji="1" lang="zh-CN" altLang="en-US" sz="1800" dirty="0"/>
               <a:t>、</a:t>
             </a:r>
             <a:r>
-              <a:rPr kumimoji="1" lang="en-US" altLang="zh-CN" sz="1700" dirty="0"/>
+              <a:rPr kumimoji="1" lang="en-US" altLang="zh-CN" sz="1800" dirty="0"/>
               <a:t>EXIT</a:t>
             </a:r>
             <a:r>
-              <a:rPr kumimoji="1" lang="zh-CN" altLang="en-US" sz="1700" dirty="0"/>
+              <a:rPr kumimoji="1" lang="zh-CN" altLang="en-US" sz="1800" dirty="0"/>
               <a:t>等）</a:t>
             </a:r>
-            <a:endParaRPr kumimoji="1" lang="en-US" altLang="zh-CN" sz="1700" dirty="0"/>
+            <a:endParaRPr kumimoji="1" lang="en-US" altLang="zh-CN" sz="1800" dirty="0"/>
           </a:p>
           <a:p>
             <a:pPr lvl="2"/>
             <a:r>
-              <a:rPr kumimoji="1" lang="zh-CN" altLang="en-US" sz="1700" dirty="0"/>
+              <a:rPr kumimoji="1" lang="zh-CN" altLang="en-US" sz="1800" dirty="0"/>
               <a:t>时间相关系统调用（</a:t>
             </a:r>
             <a:r>
-              <a:rPr kumimoji="1" lang="en-US" altLang="zh-CN" sz="1700" dirty="0"/>
+              <a:rPr kumimoji="1" lang="en-US" altLang="zh-CN" sz="1800" dirty="0"/>
               <a:t>GETTIMEOFDAY</a:t>
             </a:r>
             <a:r>
-              <a:rPr kumimoji="1" lang="zh-CN" altLang="en-US" sz="1700" dirty="0"/>
+              <a:rPr kumimoji="1" lang="zh-CN" altLang="en-US" sz="1800" dirty="0"/>
               <a:t>、</a:t>
             </a:r>
             <a:r>
-              <a:rPr kumimoji="1" lang="en-US" altLang="zh-CN" sz="1700" dirty="0"/>
+              <a:rPr kumimoji="1" lang="en-US" altLang="zh-CN" sz="1800" dirty="0"/>
               <a:t>NANO_SLEEP </a:t>
             </a:r>
             <a:r>
-              <a:rPr kumimoji="1" lang="zh-CN" altLang="en-US" sz="1700" dirty="0"/>
+              <a:rPr kumimoji="1" lang="zh-CN" altLang="en-US" sz="1800" dirty="0"/>
               <a:t>等）</a:t>
             </a:r>
-            <a:endParaRPr kumimoji="1" lang="en-US" altLang="zh-CN" sz="1700" dirty="0"/>
+            <a:endParaRPr kumimoji="1" lang="en-US" altLang="zh-CN" sz="1800" dirty="0"/>
           </a:p>
           <a:p>
             <a:pPr lvl="2"/>
@@ -7514,6 +7530,30 @@
             <a:r>
               <a:rPr kumimoji="1" lang="zh-CN" altLang="en-US" sz="1800" dirty="0"/>
               <a:t>四个架构上运行并通过基础测试</a:t>
+            </a:r>
+            <a:endParaRPr kumimoji="1" lang="en-US" altLang="zh-CN" sz="1800" dirty="0"/>
+          </a:p>
+          <a:p>
+            <a:pPr lvl="1"/>
+            <a:r>
+              <a:rPr kumimoji="1" lang="en-US" altLang="zh-CN" sz="1800" dirty="0"/>
+              <a:t>commit</a:t>
+            </a:r>
+            <a:r>
+              <a:rPr kumimoji="1" lang="en-US" altLang="zh-CN" sz="1800" b="1" dirty="0"/>
+              <a:t>15+</a:t>
+            </a:r>
+            <a:r>
+              <a:rPr kumimoji="1" lang="zh-CN" altLang="en-US" sz="1800" dirty="0"/>
+              <a:t>次 代码修改与添加</a:t>
+            </a:r>
+            <a:r>
+              <a:rPr kumimoji="1" lang="en-US" altLang="zh-CN" sz="1800" b="1" dirty="0"/>
+              <a:t>100+</a:t>
+            </a:r>
+            <a:r>
+              <a:rPr kumimoji="1" lang="zh-CN" altLang="en-US" sz="1800" dirty="0"/>
+              <a:t>行</a:t>
             </a:r>
           </a:p>
         </p:txBody>

--- a/docs/汇报ppt/中期汇报-俞颖妍.pptx
+++ b/docs/汇报ppt/中期汇报-俞颖妍.pptx
@@ -5194,7 +5194,11 @@
               <a:t>积累毕设素材</a:t>
             </a:r>
             <a:r>
-              <a:rPr kumimoji="1" lang="en-US" altLang="zh-CN" sz="1800" b="1" dirty="0"/>
+              <a:rPr kumimoji="1" lang="en-US" altLang="zh-CN" sz="2000" b="1" dirty="0">
+                <a:solidFill>
+                  <a:srgbClr val="8545B5"/>
+                </a:solidFill>
+              </a:rPr>
               <a:t>10000+</a:t>
             </a:r>
             <a:r>
@@ -5202,7 +5206,11 @@
               <a:t>字、</a:t>
             </a:r>
             <a:r>
-              <a:rPr kumimoji="1" lang="en-US" altLang="zh-CN" sz="1800" b="1" dirty="0"/>
+              <a:rPr kumimoji="1" lang="en-US" altLang="zh-CN" sz="2000" b="1" dirty="0">
+                <a:solidFill>
+                  <a:srgbClr val="8545B5"/>
+                </a:solidFill>
+              </a:rPr>
               <a:t>40+</a:t>
             </a:r>
             <a:r>
@@ -5229,15 +5237,7 @@
             </a:r>
             <a:r>
               <a:rPr kumimoji="1" lang="en-US" altLang="zh-CN" sz="2000" dirty="0"/>
-              <a:t>Starry-</a:t>
-            </a:r>
-            <a:r>
-              <a:rPr kumimoji="1" lang="en-US" altLang="zh-CN" sz="2000" dirty="0" err="1"/>
-              <a:t>Toturial</a:t>
-            </a:r>
-            <a:r>
-              <a:rPr kumimoji="1" lang="en-US" altLang="zh-CN" sz="2000" dirty="0"/>
-              <a:t>-Book</a:t>
+              <a:t>Starry-Tutorial-Book</a:t>
             </a:r>
             <a:r>
               <a:rPr kumimoji="1" lang="zh-CN" altLang="en-US" sz="2000" dirty="0"/>
@@ -5272,7 +5272,19 @@
             </a:r>
             <a:r>
               <a:rPr kumimoji="1" lang="zh-CN" altLang="en-US" sz="2000" dirty="0"/>
-              <a:t>的复杂测例进行系统调用分析</a:t>
+              <a:t>的</a:t>
+            </a:r>
+            <a:r>
+              <a:rPr kumimoji="1" lang="en-US" altLang="zh-CN" sz="2400" b="1" dirty="0">
+                <a:solidFill>
+                  <a:srgbClr val="8545B5"/>
+                </a:solidFill>
+              </a:rPr>
+              <a:t>107</a:t>
+            </a:r>
+            <a:r>
+              <a:rPr kumimoji="1" lang="zh-CN" altLang="en-US" sz="2000" dirty="0"/>
+              <a:t>个复杂测例进行系统调用分析</a:t>
             </a:r>
           </a:p>
         </p:txBody>
@@ -6876,12 +6888,167 @@
           <a:chExt cx="0" cy="0"/>
         </a:xfrm>
       </p:grpSpPr>
+      <p:sp>
+        <p:nvSpPr>
+          <p:cNvPr id="2" name="内容占位符 1">
+            <a:extLst>
+              <a:ext uri="{FF2B5EF4-FFF2-40B4-BE49-F238E27FC236}">
+                <a16:creationId xmlns:a16="http://schemas.microsoft.com/office/drawing/2014/main" id="{120B5E47-FCCD-9843-B9F4-CECF09D03BB6}"/>
+              </a:ext>
+            </a:extLst>
+          </p:cNvPr>
+          <p:cNvSpPr>
+            <a:spLocks noGrp="1"/>
+          </p:cNvSpPr>
+          <p:nvPr>
+            <p:ph idx="1"/>
+          </p:nvPr>
+        </p:nvSpPr>
+        <p:spPr>
+          <a:xfrm>
+            <a:off x="833377" y="1544825"/>
+            <a:ext cx="8023544" cy="5068623"/>
+          </a:xfrm>
+        </p:spPr>
+        <p:txBody>
+          <a:bodyPr>
+            <a:normAutofit fontScale="92500" lnSpcReduction="10000"/>
+          </a:bodyPr>
+          <a:lstStyle/>
+          <a:p>
+            <a:r>
+              <a:rPr kumimoji="1" lang="zh-CN" altLang="en-US" sz="2200" dirty="0"/>
+              <a:t>基于现有宏内核底层基础设施，补全系统调用，提供简洁易用接口</a:t>
+            </a:r>
+          </a:p>
+          <a:p>
+            <a:r>
+              <a:rPr kumimoji="1" lang="zh-CN" altLang="en-US" sz="2200" dirty="0"/>
+              <a:t>提供灵活的任务调度策略，支持多任务并发执行，优化系统性能</a:t>
+            </a:r>
+          </a:p>
+          <a:p>
+            <a:r>
+              <a:rPr kumimoji="1" lang="zh-CN" altLang="en-US" sz="2200" dirty="0"/>
+              <a:t>比较现有组件化内核并优化，实现高效、稳定、相对独立的任务管理组件</a:t>
+            </a:r>
+            <a:endParaRPr kumimoji="1" lang="en-US" altLang="zh-CN" sz="2200" dirty="0"/>
+          </a:p>
+          <a:p>
+            <a:endParaRPr kumimoji="1" lang="en-US" altLang="zh-CN" sz="2000" dirty="0"/>
+          </a:p>
+          <a:p>
+            <a:r>
+              <a:rPr kumimoji="1" lang="zh-CN" altLang="en-US" sz="2200" dirty="0"/>
+              <a:t>通过深入研究并设计实现宏内核的任务管理组件，进一步探索组件化内核中任务管理机制的优化方向，拓展相关理论知识体系</a:t>
+            </a:r>
+          </a:p>
+          <a:p>
+            <a:r>
+              <a:rPr kumimoji="1" lang="zh-CN" altLang="en-US" sz="2200" dirty="0"/>
+              <a:t>为特定应用场景定制更高效、可靠且安全的操作系统任务管理解决方案</a:t>
+            </a:r>
+            <a:endParaRPr kumimoji="1" lang="en-US" altLang="zh-CN" sz="2200" dirty="0"/>
+          </a:p>
+          <a:p>
+            <a:pPr lvl="1"/>
+            <a:r>
+              <a:rPr kumimoji="1" lang="zh-CN" altLang="en-US" sz="1900" dirty="0"/>
+              <a:t>提高系统资源利用率</a:t>
+            </a:r>
+            <a:endParaRPr kumimoji="1" lang="en-US" altLang="zh-CN" sz="1900" dirty="0"/>
+          </a:p>
+          <a:p>
+            <a:pPr lvl="1"/>
+            <a:r>
+              <a:rPr kumimoji="1" lang="zh-CN" altLang="en-US" sz="1900" dirty="0"/>
+              <a:t>增强系统整体稳定性</a:t>
+            </a:r>
+            <a:endParaRPr kumimoji="1" lang="en-US" altLang="zh-CN" sz="1900" dirty="0"/>
+          </a:p>
+          <a:p>
+            <a:r>
+              <a:rPr kumimoji="1" lang="zh-CN" altLang="en-US" sz="2200" dirty="0"/>
+              <a:t>基于</a:t>
+            </a:r>
+            <a:r>
+              <a:rPr kumimoji="1" lang="en-US" altLang="zh-CN" sz="2200" dirty="0"/>
+              <a:t>starry-next</a:t>
+            </a:r>
+            <a:r>
+              <a:rPr kumimoji="1" lang="zh-CN" altLang="en-US" sz="2200" dirty="0"/>
+              <a:t>框架与</a:t>
+            </a:r>
+            <a:r>
+              <a:rPr kumimoji="1" lang="en-US" altLang="zh-CN" sz="2200" dirty="0" err="1"/>
+              <a:t>arceos</a:t>
+            </a:r>
+            <a:r>
+              <a:rPr kumimoji="1" lang="zh-CN" altLang="en-US" sz="2200" dirty="0"/>
+              <a:t>基座代码，在</a:t>
+            </a:r>
+            <a:r>
+              <a:rPr kumimoji="1" lang="en-US" altLang="zh-CN" sz="2200" dirty="0">
+                <a:hlinkClick r:id="rId2"/>
+              </a:rPr>
+              <a:t>https://github.com/oscomp/starry-next</a:t>
+            </a:r>
+            <a:r>
+              <a:rPr kumimoji="1" lang="zh-CN" altLang="en-US" sz="2200" dirty="0"/>
+              <a:t>的</a:t>
+            </a:r>
+            <a:r>
+              <a:rPr kumimoji="1" lang="en-US" altLang="zh-CN" sz="2200" dirty="0" err="1"/>
+              <a:t>yyy</a:t>
+            </a:r>
+            <a:r>
+              <a:rPr kumimoji="1" lang="en-US" altLang="zh-CN" sz="2200" dirty="0"/>
+              <a:t>-dev</a:t>
+            </a:r>
+            <a:r>
+              <a:rPr kumimoji="1" lang="zh-CN" altLang="en-US" sz="2200" dirty="0"/>
+              <a:t>分支上进行协同开发</a:t>
+            </a:r>
+          </a:p>
+          <a:p>
+            <a:endParaRPr kumimoji="1" lang="en-US" altLang="zh-CN" sz="2000" dirty="0"/>
+          </a:p>
+        </p:txBody>
+      </p:sp>
+      <p:sp>
+        <p:nvSpPr>
+          <p:cNvPr id="3" name="标题 2">
+            <a:extLst>
+              <a:ext uri="{FF2B5EF4-FFF2-40B4-BE49-F238E27FC236}">
+                <a16:creationId xmlns:a16="http://schemas.microsoft.com/office/drawing/2014/main" id="{E5F20C5C-BE5B-F640-B2EF-4F8488015860}"/>
+              </a:ext>
+            </a:extLst>
+          </p:cNvPr>
+          <p:cNvSpPr>
+            <a:spLocks noGrp="1"/>
+          </p:cNvSpPr>
+          <p:nvPr>
+            <p:ph type="title"/>
+          </p:nvPr>
+        </p:nvSpPr>
+        <p:spPr/>
+        <p:txBody>
+          <a:bodyPr/>
+          <a:lstStyle/>
+          <a:p>
+            <a:r>
+              <a:rPr kumimoji="1" lang="zh-CN" altLang="en-US" dirty="0"/>
+              <a:t>课题内容</a:t>
+            </a:r>
+          </a:p>
+        </p:txBody>
+      </p:sp>
       <p:pic>
         <p:nvPicPr>
-          <p:cNvPr id="4" name="图片 3" descr="截屏2025-01-03 22.12.57">
+          <p:cNvPr id="6" name="图片 5">
             <a:extLst>
               <a:ext uri="{FF2B5EF4-FFF2-40B4-BE49-F238E27FC236}">
-                <a16:creationId xmlns:a16="http://schemas.microsoft.com/office/drawing/2014/main" id="{E7AEA9A6-DBA7-A336-677B-A4E14AF445DD}"/>
+                <a16:creationId xmlns:a16="http://schemas.microsoft.com/office/drawing/2014/main" id="{EF3AB73C-F1EC-470A-E242-A626D94E21F2}"/>
               </a:ext>
             </a:extLst>
           </p:cNvPr>
@@ -6891,175 +7058,20 @@
           <p:nvPr/>
         </p:nvPicPr>
         <p:blipFill>
-          <a:blip r:embed="rId2"/>
-          <a:srcRect l="8980" r="14145"/>
+          <a:blip r:embed="rId3"/>
+          <a:srcRect l="12658" t="14109" r="13383" b="13799"/>
           <a:stretch/>
         </p:blipFill>
         <p:spPr>
           <a:xfrm>
-            <a:off x="9370032" y="0"/>
-            <a:ext cx="2821968" cy="3556000"/>
+            <a:off x="8591448" y="1360967"/>
+            <a:ext cx="3600551" cy="4348718"/>
           </a:xfrm>
           <a:prstGeom prst="rect">
             <a:avLst/>
           </a:prstGeom>
         </p:spPr>
       </p:pic>
-      <p:sp>
-        <p:nvSpPr>
-          <p:cNvPr id="2" name="内容占位符 1">
-            <a:extLst>
-              <a:ext uri="{FF2B5EF4-FFF2-40B4-BE49-F238E27FC236}">
-                <a16:creationId xmlns:a16="http://schemas.microsoft.com/office/drawing/2014/main" id="{120B5E47-FCCD-9843-B9F4-CECF09D03BB6}"/>
-              </a:ext>
-            </a:extLst>
-          </p:cNvPr>
-          <p:cNvSpPr>
-            <a:spLocks noGrp="1"/>
-          </p:cNvSpPr>
-          <p:nvPr>
-            <p:ph idx="1"/>
-          </p:nvPr>
-        </p:nvSpPr>
-        <p:spPr>
-          <a:xfrm>
-            <a:off x="833377" y="2180498"/>
-            <a:ext cx="10521387" cy="4084078"/>
-          </a:xfrm>
-        </p:spPr>
-        <p:txBody>
-          <a:bodyPr>
-            <a:normAutofit fontScale="92500" lnSpcReduction="20000"/>
-          </a:bodyPr>
-          <a:lstStyle/>
-          <a:p>
-            <a:r>
-              <a:rPr kumimoji="1" lang="zh-CN" altLang="en-US" sz="2200" dirty="0"/>
-              <a:t>基于现有的宏内核底层基础设施，补全系统调用，提供简洁易用的接口。</a:t>
-            </a:r>
-          </a:p>
-          <a:p>
-            <a:r>
-              <a:rPr kumimoji="1" lang="zh-CN" altLang="en-US" sz="2200" dirty="0"/>
-              <a:t>提供灵活的任务调度策略，支持多任务并发执行，优化系统性能。</a:t>
-            </a:r>
-          </a:p>
-          <a:p>
-            <a:r>
-              <a:rPr kumimoji="1" lang="zh-CN" altLang="en-US" sz="2200" dirty="0"/>
-              <a:t>比较现有组件化内核并优化，实现高效、稳定、相对独立的任务管理组件。</a:t>
-            </a:r>
-            <a:endParaRPr kumimoji="1" lang="en-US" altLang="zh-CN" sz="2200" dirty="0"/>
-          </a:p>
-          <a:p>
-            <a:endParaRPr kumimoji="1" lang="en-US" altLang="zh-CN" sz="2000" dirty="0"/>
-          </a:p>
-          <a:p>
-            <a:r>
-              <a:rPr kumimoji="1" lang="zh-CN" altLang="en-US" sz="2200" dirty="0"/>
-              <a:t>通过深入研究并设计实现宏内核的任务管理组件，进一步探索操作系统内核中任务管理机制的优化方向，拓展相关理论知识体系。</a:t>
-            </a:r>
-          </a:p>
-          <a:p>
-            <a:r>
-              <a:rPr kumimoji="1" lang="zh-CN" altLang="en-US" sz="2200" dirty="0"/>
-              <a:t>为特定应用场景定制更高效、可靠且安全的操作系统任务管理解决方案</a:t>
-            </a:r>
-            <a:endParaRPr kumimoji="1" lang="en-US" altLang="zh-CN" sz="2200" dirty="0"/>
-          </a:p>
-          <a:p>
-            <a:pPr lvl="1"/>
-            <a:r>
-              <a:rPr kumimoji="1" lang="zh-CN" altLang="en-US" sz="1900" dirty="0"/>
-              <a:t>提高系统资源利用率</a:t>
-            </a:r>
-            <a:endParaRPr kumimoji="1" lang="en-US" altLang="zh-CN" sz="1900" dirty="0"/>
-          </a:p>
-          <a:p>
-            <a:pPr lvl="1"/>
-            <a:r>
-              <a:rPr kumimoji="1" lang="zh-CN" altLang="en-US" sz="1900" dirty="0"/>
-              <a:t>增强系统整体稳定性</a:t>
-            </a:r>
-            <a:endParaRPr kumimoji="1" lang="en-US" altLang="zh-CN" sz="1900" dirty="0"/>
-          </a:p>
-          <a:p>
-            <a:r>
-              <a:rPr kumimoji="1" lang="zh-CN" altLang="en-US" sz="2200" dirty="0"/>
-              <a:t>基于</a:t>
-            </a:r>
-            <a:r>
-              <a:rPr kumimoji="1" lang="en-US" altLang="zh-CN" sz="2200" dirty="0"/>
-              <a:t>starry-next</a:t>
-            </a:r>
-            <a:r>
-              <a:rPr kumimoji="1" lang="zh-CN" altLang="en-US" sz="2200" dirty="0"/>
-              <a:t>框架与</a:t>
-            </a:r>
-            <a:r>
-              <a:rPr kumimoji="1" lang="en-US" altLang="zh-CN" sz="2200" dirty="0" err="1"/>
-              <a:t>arceos</a:t>
-            </a:r>
-            <a:r>
-              <a:rPr kumimoji="1" lang="zh-CN" altLang="en-US" sz="2200" dirty="0"/>
-              <a:t>基座代码，在</a:t>
-            </a:r>
-            <a:r>
-              <a:rPr kumimoji="1" lang="en-US" altLang="zh-CN" sz="2200" dirty="0">
-                <a:hlinkClick r:id="rId3"/>
-              </a:rPr>
-              <a:t>https://github.com/oscomp/starry-next</a:t>
-            </a:r>
-            <a:r>
-              <a:rPr kumimoji="1" lang="zh-CN" altLang="en-US" sz="2200" dirty="0"/>
-              <a:t>的</a:t>
-            </a:r>
-            <a:r>
-              <a:rPr kumimoji="1" lang="en-US" altLang="zh-CN" sz="2200" dirty="0" err="1"/>
-              <a:t>yyy</a:t>
-            </a:r>
-            <a:r>
-              <a:rPr kumimoji="1" lang="en-US" altLang="zh-CN" sz="2200" dirty="0"/>
-              <a:t>-dev   </a:t>
-            </a:r>
-            <a:r>
-              <a:rPr kumimoji="1" lang="zh-CN" altLang="en-US" sz="2200" dirty="0"/>
-              <a:t>分支上进行协同开发</a:t>
-            </a:r>
-          </a:p>
-          <a:p>
-            <a:endParaRPr kumimoji="1" lang="en-US" altLang="zh-CN" sz="2000" dirty="0"/>
-          </a:p>
-        </p:txBody>
-      </p:sp>
-      <p:sp>
-        <p:nvSpPr>
-          <p:cNvPr id="3" name="标题 2">
-            <a:extLst>
-              <a:ext uri="{FF2B5EF4-FFF2-40B4-BE49-F238E27FC236}">
-                <a16:creationId xmlns:a16="http://schemas.microsoft.com/office/drawing/2014/main" id="{E5F20C5C-BE5B-F640-B2EF-4F8488015860}"/>
-              </a:ext>
-            </a:extLst>
-          </p:cNvPr>
-          <p:cNvSpPr>
-            <a:spLocks noGrp="1"/>
-          </p:cNvSpPr>
-          <p:nvPr>
-            <p:ph type="title"/>
-          </p:nvPr>
-        </p:nvSpPr>
-        <p:spPr/>
-        <p:txBody>
-          <a:bodyPr/>
-          <a:lstStyle/>
-          <a:p>
-            <a:r>
-              <a:rPr kumimoji="1" lang="zh-CN" altLang="en-US" dirty="0"/>
-              <a:t>课题内容</a:t>
-            </a:r>
-          </a:p>
-        </p:txBody>
-      </p:sp>
     </p:spTree>
     <p:extLst>
       <p:ext uri="{BB962C8B-B14F-4D97-AF65-F5344CB8AC3E}">
@@ -7359,13 +7371,13 @@
         </p:nvSpPr>
         <p:spPr>
           <a:xfrm>
-            <a:off x="833377" y="2180498"/>
-            <a:ext cx="10521387" cy="3956142"/>
+            <a:off x="833377" y="1913860"/>
+            <a:ext cx="10521387" cy="4603898"/>
           </a:xfrm>
         </p:spPr>
         <p:txBody>
           <a:bodyPr>
-            <a:normAutofit lnSpcReduction="10000"/>
+            <a:normAutofit/>
           </a:bodyPr>
           <a:lstStyle/>
           <a:p>
@@ -7378,35 +7390,142 @@
           <a:p>
             <a:pPr lvl="1"/>
             <a:r>
-              <a:rPr kumimoji="1" lang="zh-CN" altLang="en-US" sz="1900" dirty="0"/>
+              <a:rPr kumimoji="1" lang="zh-CN" altLang="en-US" sz="1800" dirty="0"/>
               <a:t>系统调用分析：对</a:t>
             </a:r>
             <a:r>
-              <a:rPr kumimoji="1" lang="en-US" altLang="zh-CN" sz="1900" dirty="0"/>
+              <a:rPr kumimoji="1" lang="en-US" altLang="zh-CN" sz="2000" b="1" dirty="0">
+                <a:solidFill>
+                  <a:srgbClr val="8545B5"/>
+                </a:solidFill>
+              </a:rPr>
               <a:t>54</a:t>
             </a:r>
             <a:r>
-              <a:rPr kumimoji="1" lang="zh-CN" altLang="en-US" sz="1900" dirty="0"/>
+              <a:rPr kumimoji="1" lang="zh-CN" altLang="en-US" sz="1800" dirty="0"/>
               <a:t>个相关系统调用进行分析，熟悉其功能和在任务管理中的作用</a:t>
             </a:r>
           </a:p>
           <a:p>
             <a:pPr lvl="1"/>
             <a:r>
-              <a:rPr kumimoji="1" lang="zh-CN" altLang="en-US" sz="1900" dirty="0"/>
+              <a:rPr kumimoji="1" lang="zh-CN" altLang="en-US" sz="1800" dirty="0"/>
               <a:t>实现计划与分组：根据系统调用的功能和难度进行分组，如：</a:t>
             </a:r>
-            <a:endParaRPr kumimoji="1" lang="en-US" altLang="zh-CN" sz="1900" dirty="0"/>
+            <a:endParaRPr kumimoji="1" lang="en-US" altLang="zh-CN" sz="1800" dirty="0"/>
           </a:p>
           <a:p>
             <a:pPr lvl="2"/>
             <a:r>
+              <a:rPr kumimoji="1" lang="zh-CN" altLang="en-US" sz="1600" dirty="0"/>
+              <a:t>基础系统调用（</a:t>
+            </a:r>
+            <a:r>
+              <a:rPr kumimoji="1" lang="en-US" altLang="zh-CN" sz="1600" dirty="0"/>
+              <a:t>GETPID</a:t>
+            </a:r>
+            <a:r>
+              <a:rPr kumimoji="1" lang="zh-CN" altLang="en-US" sz="1600" dirty="0"/>
+              <a:t>、</a:t>
+            </a:r>
+            <a:r>
+              <a:rPr kumimoji="1" lang="en-US" altLang="zh-CN" sz="1600" dirty="0"/>
+              <a:t>GETPPID </a:t>
+            </a:r>
+            <a:r>
+              <a:rPr kumimoji="1" lang="zh-CN" altLang="en-US" sz="1600" dirty="0"/>
+              <a:t>、</a:t>
+            </a:r>
+            <a:r>
+              <a:rPr kumimoji="1" lang="en-US" altLang="zh-CN" sz="1600" dirty="0"/>
+              <a:t>EXIT</a:t>
+            </a:r>
+            <a:r>
+              <a:rPr kumimoji="1" lang="zh-CN" altLang="en-US" sz="1600" dirty="0"/>
+              <a:t>等）</a:t>
+            </a:r>
+            <a:endParaRPr kumimoji="1" lang="en-US" altLang="zh-CN" sz="1600" dirty="0"/>
+          </a:p>
+          <a:p>
+            <a:pPr lvl="2"/>
+            <a:r>
+              <a:rPr kumimoji="1" lang="zh-CN" altLang="en-US" sz="1600" dirty="0"/>
+              <a:t>时间相关系统调用（</a:t>
+            </a:r>
+            <a:r>
+              <a:rPr kumimoji="1" lang="en-US" altLang="zh-CN" sz="1600" dirty="0"/>
+              <a:t>GETTIMEOFDAY</a:t>
+            </a:r>
+            <a:r>
+              <a:rPr kumimoji="1" lang="zh-CN" altLang="en-US" sz="1600" dirty="0"/>
+              <a:t>、</a:t>
+            </a:r>
+            <a:r>
+              <a:rPr kumimoji="1" lang="en-US" altLang="zh-CN" sz="1600" dirty="0"/>
+              <a:t>NANO_SLEEP </a:t>
+            </a:r>
+            <a:r>
+              <a:rPr kumimoji="1" lang="zh-CN" altLang="en-US" sz="1600" dirty="0"/>
+              <a:t>等）</a:t>
+            </a:r>
+            <a:endParaRPr kumimoji="1" lang="en-US" altLang="zh-CN" sz="1600" dirty="0"/>
+          </a:p>
+          <a:p>
+            <a:pPr lvl="2"/>
+            <a:r>
+              <a:rPr kumimoji="1" lang="zh-CN" altLang="en-US" sz="1600" dirty="0"/>
+              <a:t>信号同步相关系统调用（</a:t>
+            </a:r>
+            <a:r>
+              <a:rPr kumimoji="1" lang="en-US" altLang="zh-CN" sz="1600" dirty="0"/>
+              <a:t>FUTEX</a:t>
+            </a:r>
+            <a:r>
+              <a:rPr kumimoji="1" lang="zh-CN" altLang="en-US" sz="1600" dirty="0"/>
+              <a:t>、</a:t>
+            </a:r>
+            <a:r>
+              <a:rPr kumimoji="1" lang="en-US" altLang="zh-CN" sz="1600" dirty="0"/>
+              <a:t>PRCTL</a:t>
+            </a:r>
+            <a:r>
+              <a:rPr kumimoji="1" lang="zh-CN" altLang="en-US" sz="1600" dirty="0"/>
+              <a:t>等）</a:t>
+            </a:r>
+            <a:endParaRPr kumimoji="1" lang="en-US" altLang="zh-CN" sz="1600" dirty="0"/>
+          </a:p>
+          <a:p>
+            <a:r>
+              <a:rPr kumimoji="1" lang="zh-CN" altLang="en-US" sz="2200" dirty="0"/>
+              <a:t>系统调用实现</a:t>
+            </a:r>
+            <a:endParaRPr kumimoji="1" lang="en-US" altLang="zh-CN" sz="2200" dirty="0"/>
+          </a:p>
+          <a:p>
+            <a:pPr lvl="1"/>
+            <a:r>
               <a:rPr kumimoji="1" lang="zh-CN" altLang="en-US" sz="1800" dirty="0"/>
-              <a:t>基础系统调用（</a:t>
+              <a:t>完成框架配置</a:t>
+            </a:r>
+            <a:endParaRPr kumimoji="1" lang="en-US" altLang="zh-CN" sz="1800" dirty="0"/>
+          </a:p>
+          <a:p>
+            <a:pPr lvl="1"/>
+            <a:r>
+              <a:rPr kumimoji="1" lang="zh-CN" altLang="en-US" sz="1800" dirty="0"/>
+              <a:t>对任务管理中基础且常见的系统调用进行实现与补全</a:t>
+            </a:r>
+            <a:endParaRPr kumimoji="1" lang="en-US" altLang="zh-CN" sz="1800" dirty="0"/>
+          </a:p>
+          <a:p>
+            <a:pPr lvl="1"/>
+            <a:r>
+              <a:rPr kumimoji="1" lang="zh-CN" altLang="en-US" sz="1800" dirty="0"/>
+              <a:t>在</a:t>
             </a:r>
             <a:r>
               <a:rPr kumimoji="1" lang="en-US" altLang="zh-CN" sz="1800" dirty="0"/>
-              <a:t>GETPID</a:t>
+              <a:t>riscv64</a:t>
             </a:r>
             <a:r>
               <a:rPr kumimoji="1" lang="zh-CN" altLang="en-US" sz="1800" dirty="0"/>
@@ -7414,7 +7533,7 @@
             </a:r>
             <a:r>
               <a:rPr kumimoji="1" lang="en-US" altLang="zh-CN" sz="1800" dirty="0"/>
-              <a:t>GETPPID </a:t>
+              <a:t>x86-64</a:t>
             </a:r>
             <a:r>
               <a:rPr kumimoji="1" lang="zh-CN" altLang="en-US" sz="1800" dirty="0"/>
@@ -7422,23 +7541,7 @@
             </a:r>
             <a:r>
               <a:rPr kumimoji="1" lang="en-US" altLang="zh-CN" sz="1800" dirty="0"/>
-              <a:t>EXIT</a:t>
-            </a:r>
-            <a:r>
-              <a:rPr kumimoji="1" lang="zh-CN" altLang="en-US" sz="1800" dirty="0"/>
-              <a:t>等）</a:t>
-            </a:r>
-            <a:endParaRPr kumimoji="1" lang="en-US" altLang="zh-CN" sz="1800" dirty="0"/>
-          </a:p>
-          <a:p>
-            <a:pPr lvl="2"/>
-            <a:r>
-              <a:rPr kumimoji="1" lang="zh-CN" altLang="en-US" sz="1800" dirty="0"/>
-              <a:t>时间相关系统调用（</a:t>
-            </a:r>
-            <a:r>
-              <a:rPr kumimoji="1" lang="en-US" altLang="zh-CN" sz="1800" dirty="0"/>
-              <a:t>GETTIMEOFDAY</a:t>
+              <a:t>aarch64</a:t>
             </a:r>
             <a:r>
               <a:rPr kumimoji="1" lang="zh-CN" altLang="en-US" sz="1800" dirty="0"/>
@@ -7446,85 +7549,6 @@
             </a:r>
             <a:r>
               <a:rPr kumimoji="1" lang="en-US" altLang="zh-CN" sz="1800" dirty="0"/>
-              <a:t>NANO_SLEEP </a:t>
-            </a:r>
-            <a:r>
-              <a:rPr kumimoji="1" lang="zh-CN" altLang="en-US" sz="1800" dirty="0"/>
-              <a:t>等）</a:t>
-            </a:r>
-            <a:endParaRPr kumimoji="1" lang="en-US" altLang="zh-CN" sz="1800" dirty="0"/>
-          </a:p>
-          <a:p>
-            <a:pPr lvl="2"/>
-            <a:r>
-              <a:rPr kumimoji="1" lang="zh-CN" altLang="en-US" sz="1800" dirty="0"/>
-              <a:t>信号同步相关系统调用（</a:t>
-            </a:r>
-            <a:r>
-              <a:rPr kumimoji="1" lang="en-US" altLang="zh-CN" sz="1800" dirty="0"/>
-              <a:t>FUTEX</a:t>
-            </a:r>
-            <a:r>
-              <a:rPr kumimoji="1" lang="zh-CN" altLang="en-US" sz="1800" dirty="0"/>
-              <a:t>、</a:t>
-            </a:r>
-            <a:r>
-              <a:rPr kumimoji="1" lang="en-US" altLang="zh-CN" sz="1800" dirty="0"/>
-              <a:t>PRCTL</a:t>
-            </a:r>
-            <a:r>
-              <a:rPr kumimoji="1" lang="zh-CN" altLang="en-US" sz="1800" dirty="0"/>
-              <a:t>等）</a:t>
-            </a:r>
-            <a:endParaRPr kumimoji="1" lang="en-US" altLang="zh-CN" sz="1800" dirty="0"/>
-          </a:p>
-          <a:p>
-            <a:r>
-              <a:rPr kumimoji="1" lang="zh-CN" altLang="en-US" sz="2200" dirty="0"/>
-              <a:t>系统调用实现</a:t>
-            </a:r>
-            <a:endParaRPr kumimoji="1" lang="en-US" altLang="zh-CN" sz="2200" dirty="0"/>
-          </a:p>
-          <a:p>
-            <a:pPr lvl="1"/>
-            <a:r>
-              <a:rPr kumimoji="1" lang="zh-CN" altLang="en-US" sz="1800" dirty="0"/>
-              <a:t>对任务管理中基础且常见的系统调用进行实现与补全</a:t>
-            </a:r>
-            <a:endParaRPr kumimoji="1" lang="en-US" altLang="zh-CN" sz="1800" dirty="0"/>
-          </a:p>
-          <a:p>
-            <a:pPr lvl="1"/>
-            <a:r>
-              <a:rPr kumimoji="1" lang="zh-CN" altLang="en-US" sz="1800" dirty="0"/>
-              <a:t>在</a:t>
-            </a:r>
-            <a:r>
-              <a:rPr kumimoji="1" lang="en-US" altLang="zh-CN" sz="1800" dirty="0"/>
-              <a:t>riscv64</a:t>
-            </a:r>
-            <a:r>
-              <a:rPr kumimoji="1" lang="zh-CN" altLang="en-US" sz="1800" dirty="0"/>
-              <a:t>、</a:t>
-            </a:r>
-            <a:r>
-              <a:rPr kumimoji="1" lang="en-US" altLang="zh-CN" sz="1800" dirty="0"/>
-              <a:t>x86-64</a:t>
-            </a:r>
-            <a:r>
-              <a:rPr kumimoji="1" lang="zh-CN" altLang="en-US" sz="1800" dirty="0"/>
-              <a:t>、</a:t>
-            </a:r>
-            <a:r>
-              <a:rPr kumimoji="1" lang="en-US" altLang="zh-CN" sz="1800" dirty="0"/>
-              <a:t>aarch64</a:t>
-            </a:r>
-            <a:r>
-              <a:rPr kumimoji="1" lang="zh-CN" altLang="en-US" sz="1800" dirty="0"/>
-              <a:t>、</a:t>
-            </a:r>
-            <a:r>
-              <a:rPr kumimoji="1" lang="en-US" altLang="zh-CN" sz="1800" dirty="0"/>
               <a:t>loongarch64</a:t>
             </a:r>
             <a:r>
@@ -7540,7 +7564,11 @@
               <a:t>commit</a:t>
             </a:r>
             <a:r>
-              <a:rPr kumimoji="1" lang="en-US" altLang="zh-CN" sz="1800" b="1" dirty="0"/>
+              <a:rPr kumimoji="1" lang="en-US" altLang="zh-CN" sz="2000" b="1" dirty="0">
+                <a:solidFill>
+                  <a:srgbClr val="8545B5"/>
+                </a:solidFill>
+              </a:rPr>
               <a:t>15+</a:t>
             </a:r>
             <a:r>
@@ -7548,7 +7576,11 @@
               <a:t>次 代码修改与添加</a:t>
             </a:r>
             <a:r>
-              <a:rPr kumimoji="1" lang="en-US" altLang="zh-CN" sz="1800" b="1" dirty="0"/>
+              <a:rPr kumimoji="1" lang="en-US" altLang="zh-CN" sz="2000" b="1" dirty="0">
+                <a:solidFill>
+                  <a:srgbClr val="8545B5"/>
+                </a:solidFill>
+              </a:rPr>
               <a:t>100+</a:t>
             </a:r>
             <a:r>
